--- a/Presentation.pptx
+++ b/Presentation.pptx
@@ -5,19 +5,22 @@
     <p:sldMasterId id="2147483672" r:id="rId1"/>
   </p:sldMasterIdLst>
   <p:notesMasterIdLst>
-    <p:notesMasterId r:id="rId9"/>
+    <p:notesMasterId r:id="rId12"/>
   </p:notesMasterIdLst>
   <p:handoutMasterIdLst>
-    <p:handoutMasterId r:id="rId10"/>
+    <p:handoutMasterId r:id="rId13"/>
   </p:handoutMasterIdLst>
   <p:sldIdLst>
     <p:sldId id="256" r:id="rId2"/>
     <p:sldId id="257" r:id="rId3"/>
     <p:sldId id="258" r:id="rId4"/>
     <p:sldId id="259" r:id="rId5"/>
-    <p:sldId id="260" r:id="rId6"/>
-    <p:sldId id="261" r:id="rId7"/>
-    <p:sldId id="262" r:id="rId8"/>
+    <p:sldId id="264" r:id="rId6"/>
+    <p:sldId id="260" r:id="rId7"/>
+    <p:sldId id="261" r:id="rId8"/>
+    <p:sldId id="263" r:id="rId9"/>
+    <p:sldId id="265" r:id="rId10"/>
+    <p:sldId id="262" r:id="rId11"/>
   </p:sldIdLst>
   <p:sldSz cx="13004800" cy="9753600"/>
   <p:notesSz cx="6858000" cy="9144000"/>
@@ -8470,7 +8473,7 @@
               </a:spcAft>
               <a:defRPr/>
             </a:pPr>
-            <a:endParaRPr>
+            <a:endParaRPr dirty="0">
               <a:latin typeface="+mn-lt"/>
             </a:endParaRPr>
           </a:p>
@@ -9427,6 +9430,222 @@
 </p:sld>
 </file>
 
+<file path=ppt/slides/slide10.xml><?xml version="1.0" encoding="utf-8"?>
+<p:sld xmlns:a="http://schemas.openxmlformats.org/drawingml/2006/main" xmlns:r="http://schemas.openxmlformats.org/officeDocument/2006/relationships" xmlns:p="http://schemas.openxmlformats.org/presentationml/2006/main">
+  <p:cSld>
+    <p:spTree>
+      <p:nvGrpSpPr>
+        <p:cNvPr id="1" name=""/>
+        <p:cNvGrpSpPr/>
+        <p:nvPr/>
+      </p:nvGrpSpPr>
+      <p:grpSpPr>
+        <a:xfrm>
+          <a:off x="0" y="0"/>
+          <a:ext cx="0" cy="0"/>
+          <a:chOff x="0" y="0"/>
+          <a:chExt cx="0" cy="0"/>
+        </a:xfrm>
+      </p:grpSpPr>
+      <p:sp>
+        <p:nvSpPr>
+          <p:cNvPr id="11" name="Inhaltsplatzhalter 10"/>
+          <p:cNvSpPr>
+            <a:spLocks noGrp="1"/>
+          </p:cNvSpPr>
+          <p:nvPr>
+            <p:ph sz="half" idx="2"/>
+          </p:nvPr>
+        </p:nvSpPr>
+        <p:spPr>
+          <a:xfrm>
+            <a:off x="895775" y="2279737"/>
+            <a:ext cx="11379732" cy="6375403"/>
+          </a:xfrm>
+        </p:spPr>
+        <p:txBody>
+          <a:bodyPr>
+            <a:normAutofit/>
+          </a:bodyPr>
+          <a:lstStyle/>
+          <a:p>
+            <a:r>
+              <a:rPr lang="de-DE" dirty="0" smtClean="0"/>
+              <a:t>Any Questions</a:t>
+            </a:r>
+          </a:p>
+          <a:p>
+            <a:r>
+              <a:rPr lang="de-DE" dirty="0" smtClean="0"/>
+              <a:t>Examples under: </a:t>
+            </a:r>
+            <a:r>
+              <a:rPr lang="en-GB" dirty="0" smtClean="0">
+                <a:hlinkClick r:id="rId2"/>
+              </a:rPr>
+              <a:t>https</a:t>
+            </a:r>
+            <a:r>
+              <a:rPr lang="en-GB" dirty="0">
+                <a:hlinkClick r:id="rId2"/>
+              </a:rPr>
+              <a:t>://github.com/BenBorn/Gorod</a:t>
+            </a:r>
+            <a:endParaRPr lang="de-DE" dirty="0"/>
+          </a:p>
+        </p:txBody>
+      </p:sp>
+      <p:sp>
+        <p:nvSpPr>
+          <p:cNvPr id="14" name="Inhaltsplatzhalter 13"/>
+          <p:cNvSpPr>
+            <a:spLocks noGrp="1"/>
+          </p:cNvSpPr>
+          <p:nvPr>
+            <p:ph idx="13"/>
+          </p:nvPr>
+        </p:nvSpPr>
+        <p:spPr/>
+        <p:txBody>
+          <a:bodyPr/>
+          <a:lstStyle/>
+          <a:p>
+            <a:r>
+              <a:rPr lang="de-DE" dirty="0"/>
+              <a:t>Thanks</a:t>
+            </a:r>
+          </a:p>
+        </p:txBody>
+      </p:sp>
+      <p:sp>
+        <p:nvSpPr>
+          <p:cNvPr id="6" name="Datumsplatzhalter 5"/>
+          <p:cNvSpPr>
+            <a:spLocks noGrp="1"/>
+          </p:cNvSpPr>
+          <p:nvPr>
+            <p:ph type="dt" sz="half" idx="14"/>
+          </p:nvPr>
+        </p:nvSpPr>
+        <p:spPr/>
+        <p:txBody>
+          <a:bodyPr/>
+          <a:lstStyle/>
+          <a:p>
+            <a:pPr>
+              <a:defRPr/>
+            </a:pPr>
+            <a:fld id="{564DD3CC-CFDA-444A-BF53-D22D117ED496}" type="datetime1">
+              <a:rPr lang="de-DE" smtClean="0"/>
+              <a:pPr>
+                <a:defRPr/>
+              </a:pPr>
+              <a:t>30.08.2019</a:t>
+            </a:fld>
+            <a:endParaRPr lang="de-DE" dirty="0"/>
+          </a:p>
+        </p:txBody>
+      </p:sp>
+      <p:sp>
+        <p:nvSpPr>
+          <p:cNvPr id="7" name="Fußzeilenplatzhalter 6"/>
+          <p:cNvSpPr>
+            <a:spLocks noGrp="1"/>
+          </p:cNvSpPr>
+          <p:nvPr>
+            <p:ph type="ftr" sz="quarter" idx="15"/>
+          </p:nvPr>
+        </p:nvSpPr>
+        <p:spPr/>
+        <p:txBody>
+          <a:bodyPr/>
+          <a:lstStyle/>
+          <a:p>
+            <a:pPr>
+              <a:defRPr/>
+            </a:pPr>
+            <a:r>
+              <a:rPr lang="de-DE" dirty="0" smtClean="0"/>
+              <a:t>LÖWENSTEIN medical</a:t>
+            </a:r>
+            <a:endParaRPr lang="de-DE" dirty="0"/>
+          </a:p>
+        </p:txBody>
+      </p:sp>
+      <p:sp>
+        <p:nvSpPr>
+          <p:cNvPr id="8" name="Foliennummernplatzhalter 7"/>
+          <p:cNvSpPr>
+            <a:spLocks noGrp="1"/>
+          </p:cNvSpPr>
+          <p:nvPr>
+            <p:ph type="sldNum" sz="quarter" idx="16"/>
+          </p:nvPr>
+        </p:nvSpPr>
+        <p:spPr/>
+        <p:txBody>
+          <a:bodyPr/>
+          <a:lstStyle/>
+          <a:p>
+            <a:fld id="{D1E959D9-0259-4DD1-B389-5151D5648EDC}" type="slidenum">
+              <a:rPr lang="de-DE" altLang="de-DE" smtClean="0"/>
+              <a:pPr/>
+              <a:t>10</a:t>
+            </a:fld>
+            <a:endParaRPr lang="de-DE" altLang="de-DE" dirty="0"/>
+          </a:p>
+        </p:txBody>
+      </p:sp>
+      <p:pic>
+        <p:nvPicPr>
+          <p:cNvPr id="2" name="Picture 1"/>
+          <p:cNvPicPr>
+            <a:picLocks noChangeAspect="1"/>
+          </p:cNvPicPr>
+          <p:nvPr/>
+        </p:nvPicPr>
+        <p:blipFill>
+          <a:blip r:embed="rId3">
+            <a:extLst>
+              <a:ext uri="{28A0092B-C50C-407E-A947-70E740481C1C}">
+                <a14:useLocalDpi xmlns:a14="http://schemas.microsoft.com/office/drawing/2010/main" val="0"/>
+              </a:ext>
+            </a:extLst>
+          </a:blip>
+          <a:stretch>
+            <a:fillRect/>
+          </a:stretch>
+        </p:blipFill>
+        <p:spPr>
+          <a:xfrm>
+            <a:off x="1687513" y="3673519"/>
+            <a:ext cx="4730500" cy="4730500"/>
+          </a:xfrm>
+          <a:prstGeom prst="rect">
+            <a:avLst/>
+          </a:prstGeom>
+        </p:spPr>
+      </p:pic>
+    </p:spTree>
+    <p:extLst>
+      <p:ext uri="{BB962C8B-B14F-4D97-AF65-F5344CB8AC3E}">
+        <p14:creationId xmlns:p14="http://schemas.microsoft.com/office/powerpoint/2010/main" val="1022011866"/>
+      </p:ext>
+    </p:extLst>
+  </p:cSld>
+  <p:clrMapOvr>
+    <a:masterClrMapping/>
+  </p:clrMapOvr>
+  <p:timing>
+    <p:tnLst>
+      <p:par>
+        <p:cTn id="1" dur="indefinite" restart="never" nodeType="tmRoot"/>
+      </p:par>
+    </p:tnLst>
+  </p:timing>
+</p:sld>
+</file>
+
 <file path=ppt/slides/slide2.xml><?xml version="1.0" encoding="utf-8"?>
 <p:sld xmlns:a="http://schemas.openxmlformats.org/drawingml/2006/main" xmlns:r="http://schemas.openxmlformats.org/officeDocument/2006/relationships" xmlns:p="http://schemas.openxmlformats.org/presentationml/2006/main">
   <p:cSld>
@@ -9657,7 +9876,6 @@
               <a:rPr lang="de-DE" altLang="de-DE" dirty="0" smtClean="0"/>
               <a:t>Microservices communication</a:t>
             </a:r>
-            <a:endParaRPr lang="de-DE" altLang="de-DE" dirty="0" smtClean="0"/>
           </a:p>
         </p:txBody>
       </p:sp>
@@ -9970,13 +10188,13 @@
           <a:p>
             <a:r>
               <a:rPr lang="de-DE" dirty="0" smtClean="0"/>
-              <a:t>Same Contracts on Caller and Consumer Service</a:t>
+              <a:t>Same contracts for caller and consumer service</a:t>
             </a:r>
           </a:p>
           <a:p>
             <a:r>
               <a:rPr lang="de-DE" dirty="0" smtClean="0"/>
-              <a:t>Hidding details for the Caller</a:t>
+              <a:t>Hiding details from the caller</a:t>
             </a:r>
             <a:endParaRPr lang="de-DE" dirty="0"/>
           </a:p>
@@ -10076,7 +10294,7 @@
           <a:bodyPr/>
           <a:lstStyle/>
           <a:p>
-            <a:endParaRPr lang="en-GB"/>
+            <a:endParaRPr lang="en-GB" dirty="0"/>
           </a:p>
         </p:txBody>
       </p:sp>
@@ -10119,7 +10337,7 @@
       </p:grpSpPr>
       <p:sp>
         <p:nvSpPr>
-          <p:cNvPr id="9" name="Titel 8"/>
+          <p:cNvPr id="8" name="Titel 7"/>
           <p:cNvSpPr>
             <a:spLocks noGrp="1"/>
           </p:cNvSpPr>
@@ -10134,7 +10352,7 @@
           <a:p>
             <a:r>
               <a:rPr lang="de-DE" dirty="0" smtClean="0"/>
-              <a:t>Http vs Message</a:t>
+              <a:t>HttpClient</a:t>
             </a:r>
             <a:endParaRPr lang="de-DE" dirty="0"/>
           </a:p>
@@ -10142,104 +10360,38 @@
       </p:sp>
       <p:sp>
         <p:nvSpPr>
-          <p:cNvPr id="11" name="Inhaltsplatzhalter 10"/>
+          <p:cNvPr id="9" name="Inhaltsplatzhalter 8"/>
           <p:cNvSpPr>
             <a:spLocks noGrp="1"/>
           </p:cNvSpPr>
           <p:nvPr>
-            <p:ph sz="half" idx="2"/>
+            <p:ph sz="half" idx="1"/>
           </p:nvPr>
         </p:nvSpPr>
         <p:spPr>
           <a:xfrm>
-            <a:off x="895775" y="3957173"/>
-            <a:ext cx="11379732" cy="4697967"/>
+            <a:off x="894080" y="4122821"/>
+            <a:ext cx="11080802" cy="4532318"/>
           </a:xfrm>
         </p:spPr>
         <p:txBody>
           <a:bodyPr/>
           <a:lstStyle/>
           <a:p>
+            <a:pPr marL="0" indent="0" algn="ctr">
+              <a:buNone/>
+            </a:pPr>
             <a:r>
               <a:rPr lang="de-DE" dirty="0" smtClean="0"/>
-              <a:t>Http:</a:t>
-            </a:r>
-          </a:p>
-          <a:p>
-            <a:pPr lvl="1"/>
-            <a:r>
-              <a:rPr lang="de-DE" dirty="0" smtClean="0"/>
-              <a:t>Blocking call</a:t>
-            </a:r>
-          </a:p>
-          <a:p>
-            <a:pPr lvl="1"/>
-            <a:r>
-              <a:rPr lang="de-DE" dirty="0" smtClean="0"/>
-              <a:t>Otherservice needs to be running</a:t>
-            </a:r>
-          </a:p>
-          <a:p>
-            <a:pPr lvl="1"/>
-            <a:r>
-              <a:rPr lang="de-DE" dirty="0" smtClean="0"/>
-              <a:t>Coupling of services</a:t>
-            </a:r>
-          </a:p>
-          <a:p>
-            <a:r>
-              <a:rPr lang="de-DE" dirty="0" smtClean="0"/>
-              <a:t>Message:</a:t>
-            </a:r>
-          </a:p>
-          <a:p>
-            <a:pPr lvl="1"/>
-            <a:r>
-              <a:rPr lang="de-DE" dirty="0" smtClean="0"/>
-              <a:t>Garantied order (First in first out)</a:t>
-            </a:r>
-          </a:p>
-          <a:p>
-            <a:pPr lvl="1"/>
-            <a:r>
-              <a:rPr lang="de-DE" dirty="0" smtClean="0"/>
-              <a:t>Retry</a:t>
-            </a:r>
-          </a:p>
-          <a:p>
-            <a:pPr lvl="1"/>
-            <a:r>
-              <a:rPr lang="de-DE" dirty="0" smtClean="0"/>
-              <a:t>Deliver also if service is not running</a:t>
-            </a:r>
-          </a:p>
-          <a:p>
+              <a:t>DEMO</a:t>
+            </a:r>
             <a:endParaRPr lang="de-DE" dirty="0"/>
           </a:p>
         </p:txBody>
       </p:sp>
       <p:sp>
         <p:nvSpPr>
-          <p:cNvPr id="14" name="Inhaltsplatzhalter 13"/>
-          <p:cNvSpPr>
-            <a:spLocks noGrp="1"/>
-          </p:cNvSpPr>
-          <p:nvPr>
-            <p:ph idx="13"/>
-          </p:nvPr>
-        </p:nvSpPr>
-        <p:spPr/>
-        <p:txBody>
-          <a:bodyPr/>
-          <a:lstStyle/>
-          <a:p>
-            <a:endParaRPr lang="de-DE"/>
-          </a:p>
-        </p:txBody>
-      </p:sp>
-      <p:sp>
-        <p:nvSpPr>
-          <p:cNvPr id="6" name="Datumsplatzhalter 5"/>
+          <p:cNvPr id="5" name="Datumsplatzhalter 4"/>
           <p:cNvSpPr>
             <a:spLocks noGrp="1"/>
           </p:cNvSpPr>
@@ -10255,7 +10407,7 @@
             <a:pPr>
               <a:defRPr/>
             </a:pPr>
-            <a:fld id="{564DD3CC-CFDA-444A-BF53-D22D117ED496}" type="datetime1">
+            <a:fld id="{8E1F6592-D1CE-49C6-B071-C971A6A1B1F7}" type="datetime1">
               <a:rPr lang="de-DE" smtClean="0"/>
               <a:pPr>
                 <a:defRPr/>
@@ -10268,7 +10420,7 @@
       </p:sp>
       <p:sp>
         <p:nvSpPr>
-          <p:cNvPr id="7" name="Fußzeilenplatzhalter 6"/>
+          <p:cNvPr id="6" name="Fußzeilenplatzhalter 5"/>
           <p:cNvSpPr>
             <a:spLocks noGrp="1"/>
           </p:cNvSpPr>
@@ -10285,16 +10437,16 @@
               <a:defRPr/>
             </a:pPr>
             <a:r>
-              <a:rPr lang="de-DE" dirty="0" smtClean="0"/>
+              <a:rPr lang="de-DE" smtClean="0"/>
               <a:t>LÖWENSTEIN medical</a:t>
             </a:r>
-            <a:endParaRPr lang="de-DE" dirty="0"/>
-          </a:p>
-        </p:txBody>
-      </p:sp>
-      <p:sp>
-        <p:nvSpPr>
-          <p:cNvPr id="8" name="Foliennummernplatzhalter 7"/>
+            <a:endParaRPr lang="de-DE"/>
+          </a:p>
+        </p:txBody>
+      </p:sp>
+      <p:sp>
+        <p:nvSpPr>
+          <p:cNvPr id="7" name="Foliennummernplatzhalter 6"/>
           <p:cNvSpPr>
             <a:spLocks noGrp="1"/>
           </p:cNvSpPr>
@@ -10307,19 +10459,38 @@
           <a:bodyPr/>
           <a:lstStyle/>
           <a:p>
-            <a:fld id="{D1E959D9-0259-4DD1-B389-5151D5648EDC}" type="slidenum">
+            <a:fld id="{3CCB3F04-3DFC-4D36-A412-51381F049662}" type="slidenum">
               <a:rPr lang="de-DE" altLang="de-DE" smtClean="0"/>
               <a:pPr/>
               <a:t>5</a:t>
             </a:fld>
-            <a:endParaRPr lang="de-DE" altLang="de-DE" dirty="0"/>
+            <a:endParaRPr lang="de-DE" altLang="de-DE"/>
+          </a:p>
+        </p:txBody>
+      </p:sp>
+      <p:sp>
+        <p:nvSpPr>
+          <p:cNvPr id="2" name="Content Placeholder 1"/>
+          <p:cNvSpPr>
+            <a:spLocks noGrp="1"/>
+          </p:cNvSpPr>
+          <p:nvPr>
+            <p:ph idx="13"/>
+          </p:nvPr>
+        </p:nvSpPr>
+        <p:spPr/>
+        <p:txBody>
+          <a:bodyPr/>
+          <a:lstStyle/>
+          <a:p>
+            <a:endParaRPr lang="en-GB" dirty="0"/>
           </a:p>
         </p:txBody>
       </p:sp>
     </p:spTree>
     <p:extLst>
       <p:ext uri="{BB962C8B-B14F-4D97-AF65-F5344CB8AC3E}">
-        <p14:creationId xmlns:p14="http://schemas.microsoft.com/office/powerpoint/2010/main" val="3566374629"/>
+        <p14:creationId xmlns:p14="http://schemas.microsoft.com/office/powerpoint/2010/main" val="960557484"/>
       </p:ext>
     </p:extLst>
   </p:cSld>
@@ -10370,7 +10541,7 @@
           <a:p>
             <a:r>
               <a:rPr lang="de-DE" dirty="0" smtClean="0"/>
-              <a:t>MassTransit</a:t>
+              <a:t>Http vs Message</a:t>
             </a:r>
             <a:endParaRPr lang="de-DE" dirty="0"/>
           </a:p>
@@ -10393,51 +10564,79 @@
           </a:xfrm>
         </p:spPr>
         <p:txBody>
-          <a:bodyPr/>
+          <a:bodyPr>
+            <a:normAutofit lnSpcReduction="10000"/>
+          </a:bodyPr>
           <a:lstStyle/>
           <a:p>
             <a:r>
               <a:rPr lang="de-DE" dirty="0" smtClean="0"/>
-              <a:t>Communicates via RabbitMQ</a:t>
-            </a:r>
-          </a:p>
-          <a:p>
+              <a:t>Http:</a:t>
+            </a:r>
+          </a:p>
+          <a:p>
+            <a:pPr lvl="1"/>
             <a:r>
               <a:rPr lang="de-DE" dirty="0" smtClean="0"/>
-              <a:t>Connection Management</a:t>
-            </a:r>
-          </a:p>
-          <a:p>
+              <a:t>Blocking call</a:t>
+            </a:r>
+          </a:p>
+          <a:p>
+            <a:pPr lvl="1"/>
             <a:r>
               <a:rPr lang="de-DE" dirty="0" smtClean="0"/>
-              <a:t>Retries, Exception handling</a:t>
-            </a:r>
-          </a:p>
-          <a:p>
+              <a:t>Target service needs to be running</a:t>
+            </a:r>
+          </a:p>
+          <a:p>
+            <a:pPr lvl="1"/>
             <a:r>
               <a:rPr lang="de-DE" dirty="0" smtClean="0"/>
-              <a:t>Serialization (JSON, BSON, XML, binary)</a:t>
+              <a:t>Coupling of services</a:t>
             </a:r>
           </a:p>
           <a:p>
             <a:r>
               <a:rPr lang="de-DE" dirty="0" smtClean="0"/>
-              <a:t>Extensible (Middlewares receive-sent)</a:t>
-            </a:r>
-          </a:p>
-          <a:p>
+              <a:t>Message:</a:t>
+            </a:r>
+          </a:p>
+          <a:p>
+            <a:pPr lvl="1"/>
             <a:r>
               <a:rPr lang="de-DE" dirty="0" smtClean="0"/>
-              <a:t>Good documentation</a:t>
-            </a:r>
-          </a:p>
-          <a:p>
-            <a:r>
-              <a:rPr lang="en-GB" dirty="0">
-                <a:hlinkClick r:id="rId2"/>
-              </a:rPr>
-              <a:t>https://masstransit-project.com/MassTransit/</a:t>
-            </a:r>
+              <a:t>Non blocking operation</a:t>
+            </a:r>
+          </a:p>
+          <a:p>
+            <a:pPr lvl="1"/>
+            <a:r>
+              <a:rPr lang="de-DE" dirty="0" smtClean="0"/>
+              <a:t>Guaranteed order (First in first out)</a:t>
+            </a:r>
+          </a:p>
+          <a:p>
+            <a:pPr lvl="1"/>
+            <a:r>
+              <a:rPr lang="de-DE" dirty="0" smtClean="0"/>
+              <a:t>Broadcasting (One publisher multiple subscribers)</a:t>
+            </a:r>
+          </a:p>
+          <a:p>
+            <a:pPr lvl="1"/>
+            <a:r>
+              <a:rPr lang="de-DE" dirty="0" smtClean="0"/>
+              <a:t>Retry</a:t>
+            </a:r>
+          </a:p>
+          <a:p>
+            <a:pPr lvl="1"/>
+            <a:r>
+              <a:rPr lang="de-DE" dirty="0" smtClean="0"/>
+              <a:t>Will be delivered also if service is not running yet</a:t>
+            </a:r>
+          </a:p>
+          <a:p>
             <a:endParaRPr lang="de-DE" dirty="0"/>
           </a:p>
         </p:txBody>
@@ -10543,7 +10742,7 @@
     </p:spTree>
     <p:extLst>
       <p:ext uri="{BB962C8B-B14F-4D97-AF65-F5344CB8AC3E}">
-        <p14:creationId xmlns:p14="http://schemas.microsoft.com/office/powerpoint/2010/main" val="2029618126"/>
+        <p14:creationId xmlns:p14="http://schemas.microsoft.com/office/powerpoint/2010/main" val="3566374629"/>
       </p:ext>
     </p:extLst>
   </p:cSld>
@@ -10579,6 +10778,29 @@
       </p:grpSpPr>
       <p:sp>
         <p:nvSpPr>
+          <p:cNvPr id="9" name="Titel 8"/>
+          <p:cNvSpPr>
+            <a:spLocks noGrp="1"/>
+          </p:cNvSpPr>
+          <p:nvPr>
+            <p:ph type="title"/>
+          </p:nvPr>
+        </p:nvSpPr>
+        <p:spPr/>
+        <p:txBody>
+          <a:bodyPr/>
+          <a:lstStyle/>
+          <a:p>
+            <a:r>
+              <a:rPr lang="de-DE" dirty="0" smtClean="0"/>
+              <a:t>MassTransit</a:t>
+            </a:r>
+            <a:endParaRPr lang="de-DE" dirty="0"/>
+          </a:p>
+        </p:txBody>
+      </p:sp>
+      <p:sp>
+        <p:nvSpPr>
           <p:cNvPr id="11" name="Inhaltsplatzhalter 10"/>
           <p:cNvSpPr>
             <a:spLocks noGrp="1"/>
@@ -10589,37 +10811,55 @@
         </p:nvSpPr>
         <p:spPr>
           <a:xfrm>
-            <a:off x="895775" y="2279737"/>
-            <a:ext cx="11379732" cy="6375403"/>
+            <a:off x="895775" y="3957173"/>
+            <a:ext cx="11379732" cy="4697967"/>
           </a:xfrm>
         </p:spPr>
         <p:txBody>
-          <a:bodyPr>
-            <a:normAutofit/>
-          </a:bodyPr>
+          <a:bodyPr/>
           <a:lstStyle/>
           <a:p>
             <a:r>
               <a:rPr lang="de-DE" dirty="0" smtClean="0"/>
-              <a:t>Any Questions</a:t>
+              <a:t>Communicates via RabbitMQ</a:t>
             </a:r>
           </a:p>
           <a:p>
             <a:r>
               <a:rPr lang="de-DE" dirty="0" smtClean="0"/>
-              <a:t>Examples under: </a:t>
-            </a:r>
-            <a:r>
-              <a:rPr lang="en-GB" dirty="0" smtClean="0">
-                <a:hlinkClick r:id="rId2"/>
-              </a:rPr>
-              <a:t>https</a:t>
-            </a:r>
+              <a:t>Connection Management</a:t>
+            </a:r>
+          </a:p>
+          <a:p>
+            <a:r>
+              <a:rPr lang="de-DE" dirty="0" smtClean="0"/>
+              <a:t>Retries, Exception handling</a:t>
+            </a:r>
+          </a:p>
+          <a:p>
+            <a:r>
+              <a:rPr lang="de-DE" dirty="0" smtClean="0"/>
+              <a:t>Serialization (JSON, BSON, XML, binary)</a:t>
+            </a:r>
+          </a:p>
+          <a:p>
+            <a:r>
+              <a:rPr lang="de-DE" dirty="0" smtClean="0"/>
+              <a:t>Extensible (Middlewares receive-sent)</a:t>
+            </a:r>
+          </a:p>
+          <a:p>
+            <a:r>
+              <a:rPr lang="de-DE" dirty="0" smtClean="0"/>
+              <a:t>Good documentation</a:t>
+            </a:r>
+          </a:p>
+          <a:p>
             <a:r>
               <a:rPr lang="en-GB" dirty="0">
                 <a:hlinkClick r:id="rId2"/>
               </a:rPr>
-              <a:t>://github.com/BenBorn/Gorod</a:t>
+              <a:t>https://masstransit-project.com/MassTransit/</a:t>
             </a:r>
             <a:endParaRPr lang="de-DE" dirty="0"/>
           </a:p>
@@ -10640,11 +10880,7 @@
           <a:bodyPr/>
           <a:lstStyle/>
           <a:p>
-            <a:r>
-              <a:rPr lang="de-DE" dirty="0"/>
-              <a:t>Thanks</a:t>
-            </a:r>
-            <a:endParaRPr lang="de-DE" dirty="0"/>
+            <a:endParaRPr lang="de-DE"/>
           </a:p>
         </p:txBody>
       </p:sp>
@@ -10727,40 +10963,429 @@
           </a:p>
         </p:txBody>
       </p:sp>
-      <p:pic>
-        <p:nvPicPr>
-          <p:cNvPr id="2" name="Picture 1"/>
-          <p:cNvPicPr>
-            <a:picLocks noChangeAspect="1"/>
-          </p:cNvPicPr>
-          <p:nvPr/>
-        </p:nvPicPr>
-        <p:blipFill>
-          <a:blip r:embed="rId3">
-            <a:extLst>
-              <a:ext uri="{28A0092B-C50C-407E-A947-70E740481C1C}">
-                <a14:useLocalDpi xmlns:a14="http://schemas.microsoft.com/office/drawing/2010/main" val="0"/>
-              </a:ext>
-            </a:extLst>
-          </a:blip>
-          <a:stretch>
-            <a:fillRect/>
-          </a:stretch>
-        </p:blipFill>
-        <p:spPr>
-          <a:xfrm>
-            <a:off x="1687513" y="3673519"/>
-            <a:ext cx="4730500" cy="4730500"/>
-          </a:xfrm>
-          <a:prstGeom prst="rect">
-            <a:avLst/>
-          </a:prstGeom>
-        </p:spPr>
-      </p:pic>
     </p:spTree>
     <p:extLst>
       <p:ext uri="{BB962C8B-B14F-4D97-AF65-F5344CB8AC3E}">
-        <p14:creationId xmlns:p14="http://schemas.microsoft.com/office/powerpoint/2010/main" val="1022011866"/>
+        <p14:creationId xmlns:p14="http://schemas.microsoft.com/office/powerpoint/2010/main" val="2029618126"/>
+      </p:ext>
+    </p:extLst>
+  </p:cSld>
+  <p:clrMapOvr>
+    <a:masterClrMapping/>
+  </p:clrMapOvr>
+  <p:timing>
+    <p:tnLst>
+      <p:par>
+        <p:cTn id="1" dur="indefinite" restart="never" nodeType="tmRoot"/>
+      </p:par>
+    </p:tnLst>
+  </p:timing>
+</p:sld>
+</file>
+
+<file path=ppt/slides/slide8.xml><?xml version="1.0" encoding="utf-8"?>
+<p:sld xmlns:a="http://schemas.openxmlformats.org/drawingml/2006/main" xmlns:r="http://schemas.openxmlformats.org/officeDocument/2006/relationships" xmlns:p="http://schemas.openxmlformats.org/presentationml/2006/main">
+  <p:cSld>
+    <p:spTree>
+      <p:nvGrpSpPr>
+        <p:cNvPr id="1" name=""/>
+        <p:cNvGrpSpPr/>
+        <p:nvPr/>
+      </p:nvGrpSpPr>
+      <p:grpSpPr>
+        <a:xfrm>
+          <a:off x="0" y="0"/>
+          <a:ext cx="0" cy="0"/>
+          <a:chOff x="0" y="0"/>
+          <a:chExt cx="0" cy="0"/>
+        </a:xfrm>
+      </p:grpSpPr>
+      <p:sp>
+        <p:nvSpPr>
+          <p:cNvPr id="9" name="Titel 8"/>
+          <p:cNvSpPr>
+            <a:spLocks noGrp="1"/>
+          </p:cNvSpPr>
+          <p:nvPr>
+            <p:ph type="title"/>
+          </p:nvPr>
+        </p:nvSpPr>
+        <p:spPr/>
+        <p:txBody>
+          <a:bodyPr/>
+          <a:lstStyle/>
+          <a:p>
+            <a:r>
+              <a:rPr lang="de-DE" dirty="0" smtClean="0"/>
+              <a:t>MassTransit</a:t>
+            </a:r>
+            <a:endParaRPr lang="de-DE" dirty="0"/>
+          </a:p>
+        </p:txBody>
+      </p:sp>
+      <p:sp>
+        <p:nvSpPr>
+          <p:cNvPr id="11" name="Inhaltsplatzhalter 10"/>
+          <p:cNvSpPr>
+            <a:spLocks noGrp="1"/>
+          </p:cNvSpPr>
+          <p:nvPr>
+            <p:ph sz="half" idx="2"/>
+          </p:nvPr>
+        </p:nvSpPr>
+        <p:spPr>
+          <a:xfrm>
+            <a:off x="895775" y="3957173"/>
+            <a:ext cx="11379732" cy="4697967"/>
+          </a:xfrm>
+        </p:spPr>
+        <p:txBody>
+          <a:bodyPr/>
+          <a:lstStyle/>
+          <a:p>
+            <a:pPr marL="0" indent="0" algn="ctr">
+              <a:buNone/>
+            </a:pPr>
+            <a:r>
+              <a:rPr lang="de-DE" dirty="0" smtClean="0"/>
+              <a:t>DEMO</a:t>
+            </a:r>
+            <a:endParaRPr lang="de-DE" dirty="0"/>
+          </a:p>
+        </p:txBody>
+      </p:sp>
+      <p:sp>
+        <p:nvSpPr>
+          <p:cNvPr id="14" name="Inhaltsplatzhalter 13"/>
+          <p:cNvSpPr>
+            <a:spLocks noGrp="1"/>
+          </p:cNvSpPr>
+          <p:nvPr>
+            <p:ph idx="13"/>
+          </p:nvPr>
+        </p:nvSpPr>
+        <p:spPr/>
+        <p:txBody>
+          <a:bodyPr/>
+          <a:lstStyle/>
+          <a:p>
+            <a:endParaRPr lang="de-DE"/>
+          </a:p>
+        </p:txBody>
+      </p:sp>
+      <p:sp>
+        <p:nvSpPr>
+          <p:cNvPr id="6" name="Datumsplatzhalter 5"/>
+          <p:cNvSpPr>
+            <a:spLocks noGrp="1"/>
+          </p:cNvSpPr>
+          <p:nvPr>
+            <p:ph type="dt" sz="half" idx="14"/>
+          </p:nvPr>
+        </p:nvSpPr>
+        <p:spPr/>
+        <p:txBody>
+          <a:bodyPr/>
+          <a:lstStyle/>
+          <a:p>
+            <a:pPr>
+              <a:defRPr/>
+            </a:pPr>
+            <a:fld id="{564DD3CC-CFDA-444A-BF53-D22D117ED496}" type="datetime1">
+              <a:rPr lang="de-DE" smtClean="0"/>
+              <a:pPr>
+                <a:defRPr/>
+              </a:pPr>
+              <a:t>30.08.2019</a:t>
+            </a:fld>
+            <a:endParaRPr lang="de-DE" dirty="0"/>
+          </a:p>
+        </p:txBody>
+      </p:sp>
+      <p:sp>
+        <p:nvSpPr>
+          <p:cNvPr id="7" name="Fußzeilenplatzhalter 6"/>
+          <p:cNvSpPr>
+            <a:spLocks noGrp="1"/>
+          </p:cNvSpPr>
+          <p:nvPr>
+            <p:ph type="ftr" sz="quarter" idx="15"/>
+          </p:nvPr>
+        </p:nvSpPr>
+        <p:spPr/>
+        <p:txBody>
+          <a:bodyPr/>
+          <a:lstStyle/>
+          <a:p>
+            <a:pPr>
+              <a:defRPr/>
+            </a:pPr>
+            <a:r>
+              <a:rPr lang="de-DE" dirty="0" smtClean="0"/>
+              <a:t>LÖWENSTEIN medical</a:t>
+            </a:r>
+            <a:endParaRPr lang="de-DE" dirty="0"/>
+          </a:p>
+        </p:txBody>
+      </p:sp>
+      <p:sp>
+        <p:nvSpPr>
+          <p:cNvPr id="8" name="Foliennummernplatzhalter 7"/>
+          <p:cNvSpPr>
+            <a:spLocks noGrp="1"/>
+          </p:cNvSpPr>
+          <p:nvPr>
+            <p:ph type="sldNum" sz="quarter" idx="16"/>
+          </p:nvPr>
+        </p:nvSpPr>
+        <p:spPr/>
+        <p:txBody>
+          <a:bodyPr/>
+          <a:lstStyle/>
+          <a:p>
+            <a:fld id="{D1E959D9-0259-4DD1-B389-5151D5648EDC}" type="slidenum">
+              <a:rPr lang="de-DE" altLang="de-DE" smtClean="0"/>
+              <a:pPr/>
+              <a:t>8</a:t>
+            </a:fld>
+            <a:endParaRPr lang="de-DE" altLang="de-DE" dirty="0"/>
+          </a:p>
+        </p:txBody>
+      </p:sp>
+    </p:spTree>
+    <p:extLst>
+      <p:ext uri="{BB962C8B-B14F-4D97-AF65-F5344CB8AC3E}">
+        <p14:creationId xmlns:p14="http://schemas.microsoft.com/office/powerpoint/2010/main" val="986278249"/>
+      </p:ext>
+    </p:extLst>
+  </p:cSld>
+  <p:clrMapOvr>
+    <a:masterClrMapping/>
+  </p:clrMapOvr>
+  <p:timing>
+    <p:tnLst>
+      <p:par>
+        <p:cTn id="1" dur="indefinite" restart="never" nodeType="tmRoot"/>
+      </p:par>
+    </p:tnLst>
+  </p:timing>
+</p:sld>
+</file>
+
+<file path=ppt/slides/slide9.xml><?xml version="1.0" encoding="utf-8"?>
+<p:sld xmlns:a="http://schemas.openxmlformats.org/drawingml/2006/main" xmlns:r="http://schemas.openxmlformats.org/officeDocument/2006/relationships" xmlns:p="http://schemas.openxmlformats.org/presentationml/2006/main">
+  <p:cSld>
+    <p:spTree>
+      <p:nvGrpSpPr>
+        <p:cNvPr id="1" name=""/>
+        <p:cNvGrpSpPr/>
+        <p:nvPr/>
+      </p:nvGrpSpPr>
+      <p:grpSpPr>
+        <a:xfrm>
+          <a:off x="0" y="0"/>
+          <a:ext cx="0" cy="0"/>
+          <a:chOff x="0" y="0"/>
+          <a:chExt cx="0" cy="0"/>
+        </a:xfrm>
+      </p:grpSpPr>
+      <p:sp>
+        <p:nvSpPr>
+          <p:cNvPr id="9" name="Titel 8"/>
+          <p:cNvSpPr>
+            <a:spLocks noGrp="1"/>
+          </p:cNvSpPr>
+          <p:nvPr>
+            <p:ph type="title"/>
+          </p:nvPr>
+        </p:nvSpPr>
+        <p:spPr/>
+        <p:txBody>
+          <a:bodyPr/>
+          <a:lstStyle/>
+          <a:p>
+            <a:r>
+              <a:rPr lang="de-DE" dirty="0" smtClean="0"/>
+              <a:t>Advanced Topics</a:t>
+            </a:r>
+            <a:endParaRPr lang="de-DE" dirty="0"/>
+          </a:p>
+        </p:txBody>
+      </p:sp>
+      <p:sp>
+        <p:nvSpPr>
+          <p:cNvPr id="11" name="Inhaltsplatzhalter 10"/>
+          <p:cNvSpPr>
+            <a:spLocks noGrp="1"/>
+          </p:cNvSpPr>
+          <p:nvPr>
+            <p:ph sz="half" idx="2"/>
+          </p:nvPr>
+        </p:nvSpPr>
+        <p:spPr>
+          <a:xfrm>
+            <a:off x="895775" y="3957173"/>
+            <a:ext cx="11379732" cy="4697967"/>
+          </a:xfrm>
+        </p:spPr>
+        <p:txBody>
+          <a:bodyPr/>
+          <a:lstStyle/>
+          <a:p>
+            <a:r>
+              <a:rPr lang="de-DE" dirty="0" smtClean="0"/>
+              <a:t>Tracebility</a:t>
+            </a:r>
+          </a:p>
+          <a:p>
+            <a:r>
+              <a:rPr lang="de-DE" dirty="0" smtClean="0"/>
+              <a:t>Version of messages</a:t>
+            </a:r>
+          </a:p>
+          <a:p>
+            <a:r>
+              <a:rPr lang="de-DE" smtClean="0"/>
+              <a:t>Tests about all consumer registered</a:t>
+            </a:r>
+            <a:endParaRPr lang="de-DE" dirty="0" smtClean="0"/>
+          </a:p>
+          <a:p>
+            <a:r>
+              <a:rPr lang="de-DE" dirty="0" smtClean="0"/>
+              <a:t>Queue initialization</a:t>
+            </a:r>
+          </a:p>
+          <a:p>
+            <a:r>
+              <a:rPr lang="de-DE" dirty="0" smtClean="0"/>
+              <a:t>Parallel consuming</a:t>
+            </a:r>
+          </a:p>
+          <a:p>
+            <a:r>
+              <a:rPr lang="de-DE" dirty="0" smtClean="0"/>
+              <a:t>Requeuing </a:t>
+            </a:r>
+            <a:r>
+              <a:rPr lang="de-DE" dirty="0"/>
+              <a:t>of errors (RabbitMq PlugIn: </a:t>
+            </a:r>
+            <a:r>
+              <a:rPr lang="de-DE" dirty="0" smtClean="0"/>
+              <a:t>rabbitmq_shovel)</a:t>
+            </a:r>
+          </a:p>
+          <a:p>
+            <a:endParaRPr lang="de-DE" dirty="0"/>
+          </a:p>
+        </p:txBody>
+      </p:sp>
+      <p:sp>
+        <p:nvSpPr>
+          <p:cNvPr id="14" name="Inhaltsplatzhalter 13"/>
+          <p:cNvSpPr>
+            <a:spLocks noGrp="1"/>
+          </p:cNvSpPr>
+          <p:nvPr>
+            <p:ph idx="13"/>
+          </p:nvPr>
+        </p:nvSpPr>
+        <p:spPr/>
+        <p:txBody>
+          <a:bodyPr/>
+          <a:lstStyle/>
+          <a:p>
+            <a:r>
+              <a:rPr lang="de-DE" dirty="0"/>
+              <a:t>MassTransit</a:t>
+            </a:r>
+          </a:p>
+        </p:txBody>
+      </p:sp>
+      <p:sp>
+        <p:nvSpPr>
+          <p:cNvPr id="6" name="Datumsplatzhalter 5"/>
+          <p:cNvSpPr>
+            <a:spLocks noGrp="1"/>
+          </p:cNvSpPr>
+          <p:nvPr>
+            <p:ph type="dt" sz="half" idx="14"/>
+          </p:nvPr>
+        </p:nvSpPr>
+        <p:spPr/>
+        <p:txBody>
+          <a:bodyPr/>
+          <a:lstStyle/>
+          <a:p>
+            <a:pPr>
+              <a:defRPr/>
+            </a:pPr>
+            <a:fld id="{564DD3CC-CFDA-444A-BF53-D22D117ED496}" type="datetime1">
+              <a:rPr lang="de-DE" smtClean="0"/>
+              <a:pPr>
+                <a:defRPr/>
+              </a:pPr>
+              <a:t>30.08.2019</a:t>
+            </a:fld>
+            <a:endParaRPr lang="de-DE" dirty="0"/>
+          </a:p>
+        </p:txBody>
+      </p:sp>
+      <p:sp>
+        <p:nvSpPr>
+          <p:cNvPr id="7" name="Fußzeilenplatzhalter 6"/>
+          <p:cNvSpPr>
+            <a:spLocks noGrp="1"/>
+          </p:cNvSpPr>
+          <p:nvPr>
+            <p:ph type="ftr" sz="quarter" idx="15"/>
+          </p:nvPr>
+        </p:nvSpPr>
+        <p:spPr/>
+        <p:txBody>
+          <a:bodyPr/>
+          <a:lstStyle/>
+          <a:p>
+            <a:pPr>
+              <a:defRPr/>
+            </a:pPr>
+            <a:r>
+              <a:rPr lang="de-DE" dirty="0" smtClean="0"/>
+              <a:t>LÖWENSTEIN medical</a:t>
+            </a:r>
+            <a:endParaRPr lang="de-DE" dirty="0"/>
+          </a:p>
+        </p:txBody>
+      </p:sp>
+      <p:sp>
+        <p:nvSpPr>
+          <p:cNvPr id="8" name="Foliennummernplatzhalter 7"/>
+          <p:cNvSpPr>
+            <a:spLocks noGrp="1"/>
+          </p:cNvSpPr>
+          <p:nvPr>
+            <p:ph type="sldNum" sz="quarter" idx="16"/>
+          </p:nvPr>
+        </p:nvSpPr>
+        <p:spPr/>
+        <p:txBody>
+          <a:bodyPr/>
+          <a:lstStyle/>
+          <a:p>
+            <a:fld id="{D1E959D9-0259-4DD1-B389-5151D5648EDC}" type="slidenum">
+              <a:rPr lang="de-DE" altLang="de-DE" smtClean="0"/>
+              <a:pPr/>
+              <a:t>9</a:t>
+            </a:fld>
+            <a:endParaRPr lang="de-DE" altLang="de-DE" dirty="0"/>
+          </a:p>
+        </p:txBody>
+      </p:sp>
+    </p:spTree>
+    <p:extLst>
+      <p:ext uri="{BB962C8B-B14F-4D97-AF65-F5344CB8AC3E}">
+        <p14:creationId xmlns:p14="http://schemas.microsoft.com/office/powerpoint/2010/main" val="4003738899"/>
       </p:ext>
     </p:extLst>
   </p:cSld>

--- a/Presentation.pptx
+++ b/Presentation.pptx
@@ -5,22 +5,21 @@
     <p:sldMasterId id="2147483672" r:id="rId1"/>
   </p:sldMasterIdLst>
   <p:notesMasterIdLst>
-    <p:notesMasterId r:id="rId12"/>
+    <p:notesMasterId r:id="rId11"/>
   </p:notesMasterIdLst>
   <p:handoutMasterIdLst>
-    <p:handoutMasterId r:id="rId13"/>
+    <p:handoutMasterId r:id="rId12"/>
   </p:handoutMasterIdLst>
   <p:sldIdLst>
     <p:sldId id="256" r:id="rId2"/>
     <p:sldId id="257" r:id="rId3"/>
     <p:sldId id="258" r:id="rId4"/>
-    <p:sldId id="259" r:id="rId5"/>
-    <p:sldId id="264" r:id="rId6"/>
-    <p:sldId id="260" r:id="rId7"/>
-    <p:sldId id="261" r:id="rId8"/>
-    <p:sldId id="263" r:id="rId9"/>
-    <p:sldId id="265" r:id="rId10"/>
-    <p:sldId id="262" r:id="rId11"/>
+    <p:sldId id="264" r:id="rId5"/>
+    <p:sldId id="260" r:id="rId6"/>
+    <p:sldId id="261" r:id="rId7"/>
+    <p:sldId id="263" r:id="rId8"/>
+    <p:sldId id="265" r:id="rId9"/>
+    <p:sldId id="262" r:id="rId10"/>
   </p:sldIdLst>
   <p:sldSz cx="13004800" cy="9753600"/>
   <p:notesSz cx="6858000" cy="9144000"/>
@@ -281,7 +280,7 @@
               <a:pPr>
                 <a:defRPr/>
               </a:pPr>
-              <a:t>30.08.2019</a:t>
+              <a:t>05.09.2019</a:t>
             </a:fld>
             <a:endParaRPr lang="de-DE"/>
           </a:p>
@@ -492,7 +491,7 @@
               <a:pPr>
                 <a:defRPr/>
               </a:pPr>
-              <a:t>30.08.2019</a:t>
+              <a:t>05.09.2019</a:t>
             </a:fld>
             <a:endParaRPr lang="de-DE"/>
           </a:p>
@@ -5502,7 +5501,7 @@
               <a:pPr>
                 <a:defRPr/>
               </a:pPr>
-              <a:t>30.08.2019</a:t>
+              <a:t>05.09.2019</a:t>
             </a:fld>
             <a:endParaRPr lang="de-DE"/>
           </a:p>
@@ -5841,7 +5840,7 @@
               <a:pPr>
                 <a:defRPr/>
               </a:pPr>
-              <a:t>30.08.2019</a:t>
+              <a:t>05.09.2019</a:t>
             </a:fld>
             <a:endParaRPr lang="de-DE" dirty="0"/>
           </a:p>
@@ -6235,7 +6234,7 @@
               <a:pPr>
                 <a:defRPr/>
               </a:pPr>
-              <a:t>30.08.2019</a:t>
+              <a:t>05.09.2019</a:t>
             </a:fld>
             <a:endParaRPr lang="de-DE" dirty="0"/>
           </a:p>
@@ -6752,7 +6751,7 @@
               <a:pPr>
                 <a:defRPr/>
               </a:pPr>
-              <a:t>30.08.2019</a:t>
+              <a:t>05.09.2019</a:t>
             </a:fld>
             <a:endParaRPr lang="de-DE" dirty="0"/>
           </a:p>
@@ -7419,7 +7418,7 @@
               <a:pPr>
                 <a:defRPr/>
               </a:pPr>
-              <a:t>30.08.2019</a:t>
+              <a:t>05.09.2019</a:t>
             </a:fld>
             <a:endParaRPr lang="de-DE" dirty="0"/>
           </a:p>
@@ -7900,7 +7899,7 @@
               <a:pPr>
                 <a:defRPr/>
               </a:pPr>
-              <a:t>30.08.2019</a:t>
+              <a:t>05.09.2019</a:t>
             </a:fld>
             <a:endParaRPr lang="de-DE" dirty="0"/>
           </a:p>
@@ -8324,7 +8323,7 @@
               <a:pPr>
                 <a:defRPr/>
               </a:pPr>
-              <a:t>30.08.2019</a:t>
+              <a:t>05.09.2019</a:t>
             </a:fld>
             <a:endParaRPr lang="de-DE" dirty="0"/>
           </a:p>
@@ -8622,7 +8621,7 @@
               <a:pPr>
                 <a:defRPr/>
               </a:pPr>
-              <a:t>30.08.2019</a:t>
+              <a:t>05.09.2019</a:t>
             </a:fld>
             <a:endParaRPr lang="de-DE" dirty="0"/>
           </a:p>
@@ -9430,222 +9429,6 @@
 </p:sld>
 </file>
 
-<file path=ppt/slides/slide10.xml><?xml version="1.0" encoding="utf-8"?>
-<p:sld xmlns:a="http://schemas.openxmlformats.org/drawingml/2006/main" xmlns:r="http://schemas.openxmlformats.org/officeDocument/2006/relationships" xmlns:p="http://schemas.openxmlformats.org/presentationml/2006/main">
-  <p:cSld>
-    <p:spTree>
-      <p:nvGrpSpPr>
-        <p:cNvPr id="1" name=""/>
-        <p:cNvGrpSpPr/>
-        <p:nvPr/>
-      </p:nvGrpSpPr>
-      <p:grpSpPr>
-        <a:xfrm>
-          <a:off x="0" y="0"/>
-          <a:ext cx="0" cy="0"/>
-          <a:chOff x="0" y="0"/>
-          <a:chExt cx="0" cy="0"/>
-        </a:xfrm>
-      </p:grpSpPr>
-      <p:sp>
-        <p:nvSpPr>
-          <p:cNvPr id="11" name="Inhaltsplatzhalter 10"/>
-          <p:cNvSpPr>
-            <a:spLocks noGrp="1"/>
-          </p:cNvSpPr>
-          <p:nvPr>
-            <p:ph sz="half" idx="2"/>
-          </p:nvPr>
-        </p:nvSpPr>
-        <p:spPr>
-          <a:xfrm>
-            <a:off x="895775" y="2279737"/>
-            <a:ext cx="11379732" cy="6375403"/>
-          </a:xfrm>
-        </p:spPr>
-        <p:txBody>
-          <a:bodyPr>
-            <a:normAutofit/>
-          </a:bodyPr>
-          <a:lstStyle/>
-          <a:p>
-            <a:r>
-              <a:rPr lang="de-DE" dirty="0" smtClean="0"/>
-              <a:t>Any Questions</a:t>
-            </a:r>
-          </a:p>
-          <a:p>
-            <a:r>
-              <a:rPr lang="de-DE" dirty="0" smtClean="0"/>
-              <a:t>Examples under: </a:t>
-            </a:r>
-            <a:r>
-              <a:rPr lang="en-GB" dirty="0" smtClean="0">
-                <a:hlinkClick r:id="rId2"/>
-              </a:rPr>
-              <a:t>https</a:t>
-            </a:r>
-            <a:r>
-              <a:rPr lang="en-GB" dirty="0">
-                <a:hlinkClick r:id="rId2"/>
-              </a:rPr>
-              <a:t>://github.com/BenBorn/Gorod</a:t>
-            </a:r>
-            <a:endParaRPr lang="de-DE" dirty="0"/>
-          </a:p>
-        </p:txBody>
-      </p:sp>
-      <p:sp>
-        <p:nvSpPr>
-          <p:cNvPr id="14" name="Inhaltsplatzhalter 13"/>
-          <p:cNvSpPr>
-            <a:spLocks noGrp="1"/>
-          </p:cNvSpPr>
-          <p:nvPr>
-            <p:ph idx="13"/>
-          </p:nvPr>
-        </p:nvSpPr>
-        <p:spPr/>
-        <p:txBody>
-          <a:bodyPr/>
-          <a:lstStyle/>
-          <a:p>
-            <a:r>
-              <a:rPr lang="de-DE" dirty="0"/>
-              <a:t>Thanks</a:t>
-            </a:r>
-          </a:p>
-        </p:txBody>
-      </p:sp>
-      <p:sp>
-        <p:nvSpPr>
-          <p:cNvPr id="6" name="Datumsplatzhalter 5"/>
-          <p:cNvSpPr>
-            <a:spLocks noGrp="1"/>
-          </p:cNvSpPr>
-          <p:nvPr>
-            <p:ph type="dt" sz="half" idx="14"/>
-          </p:nvPr>
-        </p:nvSpPr>
-        <p:spPr/>
-        <p:txBody>
-          <a:bodyPr/>
-          <a:lstStyle/>
-          <a:p>
-            <a:pPr>
-              <a:defRPr/>
-            </a:pPr>
-            <a:fld id="{564DD3CC-CFDA-444A-BF53-D22D117ED496}" type="datetime1">
-              <a:rPr lang="de-DE" smtClean="0"/>
-              <a:pPr>
-                <a:defRPr/>
-              </a:pPr>
-              <a:t>30.08.2019</a:t>
-            </a:fld>
-            <a:endParaRPr lang="de-DE" dirty="0"/>
-          </a:p>
-        </p:txBody>
-      </p:sp>
-      <p:sp>
-        <p:nvSpPr>
-          <p:cNvPr id="7" name="Fußzeilenplatzhalter 6"/>
-          <p:cNvSpPr>
-            <a:spLocks noGrp="1"/>
-          </p:cNvSpPr>
-          <p:nvPr>
-            <p:ph type="ftr" sz="quarter" idx="15"/>
-          </p:nvPr>
-        </p:nvSpPr>
-        <p:spPr/>
-        <p:txBody>
-          <a:bodyPr/>
-          <a:lstStyle/>
-          <a:p>
-            <a:pPr>
-              <a:defRPr/>
-            </a:pPr>
-            <a:r>
-              <a:rPr lang="de-DE" dirty="0" smtClean="0"/>
-              <a:t>LÖWENSTEIN medical</a:t>
-            </a:r>
-            <a:endParaRPr lang="de-DE" dirty="0"/>
-          </a:p>
-        </p:txBody>
-      </p:sp>
-      <p:sp>
-        <p:nvSpPr>
-          <p:cNvPr id="8" name="Foliennummernplatzhalter 7"/>
-          <p:cNvSpPr>
-            <a:spLocks noGrp="1"/>
-          </p:cNvSpPr>
-          <p:nvPr>
-            <p:ph type="sldNum" sz="quarter" idx="16"/>
-          </p:nvPr>
-        </p:nvSpPr>
-        <p:spPr/>
-        <p:txBody>
-          <a:bodyPr/>
-          <a:lstStyle/>
-          <a:p>
-            <a:fld id="{D1E959D9-0259-4DD1-B389-5151D5648EDC}" type="slidenum">
-              <a:rPr lang="de-DE" altLang="de-DE" smtClean="0"/>
-              <a:pPr/>
-              <a:t>10</a:t>
-            </a:fld>
-            <a:endParaRPr lang="de-DE" altLang="de-DE" dirty="0"/>
-          </a:p>
-        </p:txBody>
-      </p:sp>
-      <p:pic>
-        <p:nvPicPr>
-          <p:cNvPr id="2" name="Picture 1"/>
-          <p:cNvPicPr>
-            <a:picLocks noChangeAspect="1"/>
-          </p:cNvPicPr>
-          <p:nvPr/>
-        </p:nvPicPr>
-        <p:blipFill>
-          <a:blip r:embed="rId3">
-            <a:extLst>
-              <a:ext uri="{28A0092B-C50C-407E-A947-70E740481C1C}">
-                <a14:useLocalDpi xmlns:a14="http://schemas.microsoft.com/office/drawing/2010/main" val="0"/>
-              </a:ext>
-            </a:extLst>
-          </a:blip>
-          <a:stretch>
-            <a:fillRect/>
-          </a:stretch>
-        </p:blipFill>
-        <p:spPr>
-          <a:xfrm>
-            <a:off x="1687513" y="3673519"/>
-            <a:ext cx="4730500" cy="4730500"/>
-          </a:xfrm>
-          <a:prstGeom prst="rect">
-            <a:avLst/>
-          </a:prstGeom>
-        </p:spPr>
-      </p:pic>
-    </p:spTree>
-    <p:extLst>
-      <p:ext uri="{BB962C8B-B14F-4D97-AF65-F5344CB8AC3E}">
-        <p14:creationId xmlns:p14="http://schemas.microsoft.com/office/powerpoint/2010/main" val="1022011866"/>
-      </p:ext>
-    </p:extLst>
-  </p:cSld>
-  <p:clrMapOvr>
-    <a:masterClrMapping/>
-  </p:clrMapOvr>
-  <p:timing>
-    <p:tnLst>
-      <p:par>
-        <p:cTn id="1" dur="indefinite" restart="never" nodeType="tmRoot"/>
-      </p:par>
-    </p:tnLst>
-  </p:timing>
-</p:sld>
-</file>
-
 <file path=ppt/slides/slide2.xml><?xml version="1.0" encoding="utf-8"?>
 <p:sld xmlns:a="http://schemas.openxmlformats.org/drawingml/2006/main" xmlns:r="http://schemas.openxmlformats.org/officeDocument/2006/relationships" xmlns:p="http://schemas.openxmlformats.org/presentationml/2006/main">
   <p:cSld>
@@ -9686,7 +9469,7 @@
               <a:pPr>
                 <a:defRPr/>
               </a:pPr>
-              <a:t>30.08.2019</a:t>
+              <a:t>05.09.2019</a:t>
             </a:fld>
             <a:endParaRPr lang="de-DE" dirty="0"/>
           </a:p>
@@ -10050,7 +9833,7 @@
               <a:pPr>
                 <a:defRPr/>
               </a:pPr>
-              <a:t>30.08.2019</a:t>
+              <a:t>05.09.2019</a:t>
             </a:fld>
             <a:endParaRPr lang="de-DE" dirty="0"/>
           </a:p>
@@ -10186,15 +9969,12 @@
           <a:bodyPr/>
           <a:lstStyle/>
           <a:p>
+            <a:pPr marL="0" indent="0" algn="ctr">
+              <a:buNone/>
+            </a:pPr>
             <a:r>
               <a:rPr lang="de-DE" dirty="0" smtClean="0"/>
-              <a:t>Same contracts for caller and consumer service</a:t>
-            </a:r>
-          </a:p>
-          <a:p>
-            <a:r>
-              <a:rPr lang="de-DE" dirty="0" smtClean="0"/>
-              <a:t>Hiding details from the caller</a:t>
+              <a:t>DEMO</a:t>
             </a:r>
             <a:endParaRPr lang="de-DE" dirty="0"/>
           </a:p>
@@ -10223,7 +10003,7 @@
               <a:pPr>
                 <a:defRPr/>
               </a:pPr>
-              <a:t>30.08.2019</a:t>
+              <a:t>05.09.2019</a:t>
             </a:fld>
             <a:endParaRPr lang="de-DE" dirty="0"/>
           </a:p>
@@ -10301,7 +10081,7 @@
     </p:spTree>
     <p:extLst>
       <p:ext uri="{BB962C8B-B14F-4D97-AF65-F5344CB8AC3E}">
-        <p14:creationId xmlns:p14="http://schemas.microsoft.com/office/powerpoint/2010/main" val="3596046609"/>
+        <p14:creationId xmlns:p14="http://schemas.microsoft.com/office/powerpoint/2010/main" val="960557484"/>
       </p:ext>
     </p:extLst>
   </p:cSld>
@@ -10337,7 +10117,7 @@
       </p:grpSpPr>
       <p:sp>
         <p:nvSpPr>
-          <p:cNvPr id="8" name="Titel 7"/>
+          <p:cNvPr id="9" name="Titel 8"/>
           <p:cNvSpPr>
             <a:spLocks noGrp="1"/>
           </p:cNvSpPr>
@@ -10352,7 +10132,7 @@
           <a:p>
             <a:r>
               <a:rPr lang="de-DE" dirty="0" smtClean="0"/>
-              <a:t>HttpClient</a:t>
+              <a:t>Http vs Message</a:t>
             </a:r>
             <a:endParaRPr lang="de-DE" dirty="0"/>
           </a:p>
@@ -10360,38 +10140,120 @@
       </p:sp>
       <p:sp>
         <p:nvSpPr>
-          <p:cNvPr id="9" name="Inhaltsplatzhalter 8"/>
+          <p:cNvPr id="11" name="Inhaltsplatzhalter 10"/>
           <p:cNvSpPr>
             <a:spLocks noGrp="1"/>
           </p:cNvSpPr>
           <p:nvPr>
-            <p:ph sz="half" idx="1"/>
+            <p:ph sz="half" idx="2"/>
           </p:nvPr>
         </p:nvSpPr>
         <p:spPr>
           <a:xfrm>
-            <a:off x="894080" y="4122821"/>
-            <a:ext cx="11080802" cy="4532318"/>
+            <a:off x="895775" y="3957173"/>
+            <a:ext cx="11379732" cy="4697967"/>
           </a:xfrm>
         </p:spPr>
         <p:txBody>
-          <a:bodyPr/>
+          <a:bodyPr>
+            <a:normAutofit lnSpcReduction="10000"/>
+          </a:bodyPr>
           <a:lstStyle/>
           <a:p>
-            <a:pPr marL="0" indent="0" algn="ctr">
-              <a:buNone/>
-            </a:pPr>
             <a:r>
               <a:rPr lang="de-DE" dirty="0" smtClean="0"/>
-              <a:t>DEMO</a:t>
-            </a:r>
+              <a:t>Http:</a:t>
+            </a:r>
+          </a:p>
+          <a:p>
+            <a:pPr lvl="1"/>
+            <a:r>
+              <a:rPr lang="de-DE" dirty="0" smtClean="0"/>
+              <a:t>Blocking call</a:t>
+            </a:r>
+          </a:p>
+          <a:p>
+            <a:pPr lvl="1"/>
+            <a:r>
+              <a:rPr lang="de-DE" dirty="0" smtClean="0"/>
+              <a:t>Target service needs to be running</a:t>
+            </a:r>
+          </a:p>
+          <a:p>
+            <a:pPr lvl="1"/>
+            <a:r>
+              <a:rPr lang="de-DE" dirty="0" smtClean="0"/>
+              <a:t>Coupling of services</a:t>
+            </a:r>
+          </a:p>
+          <a:p>
+            <a:r>
+              <a:rPr lang="de-DE" dirty="0" smtClean="0"/>
+              <a:t>Message:</a:t>
+            </a:r>
+          </a:p>
+          <a:p>
+            <a:pPr lvl="1"/>
+            <a:r>
+              <a:rPr lang="de-DE" dirty="0" smtClean="0"/>
+              <a:t>Non blocking operation</a:t>
+            </a:r>
+          </a:p>
+          <a:p>
+            <a:pPr lvl="1"/>
+            <a:r>
+              <a:rPr lang="de-DE" dirty="0" smtClean="0"/>
+              <a:t>Guaranteed order (First in first out)</a:t>
+            </a:r>
+          </a:p>
+          <a:p>
+            <a:pPr lvl="1"/>
+            <a:r>
+              <a:rPr lang="de-DE" dirty="0" smtClean="0"/>
+              <a:t>Broadcasting (One publisher multiple subscribers)</a:t>
+            </a:r>
+          </a:p>
+          <a:p>
+            <a:pPr lvl="1"/>
+            <a:r>
+              <a:rPr lang="de-DE" dirty="0" smtClean="0"/>
+              <a:t>Retry</a:t>
+            </a:r>
+          </a:p>
+          <a:p>
+            <a:pPr lvl="1"/>
+            <a:r>
+              <a:rPr lang="de-DE" dirty="0" smtClean="0"/>
+              <a:t>Will be delivered also if service is not running yet</a:t>
+            </a:r>
+          </a:p>
+          <a:p>
             <a:endParaRPr lang="de-DE" dirty="0"/>
           </a:p>
         </p:txBody>
       </p:sp>
       <p:sp>
         <p:nvSpPr>
-          <p:cNvPr id="5" name="Datumsplatzhalter 4"/>
+          <p:cNvPr id="14" name="Inhaltsplatzhalter 13"/>
+          <p:cNvSpPr>
+            <a:spLocks noGrp="1"/>
+          </p:cNvSpPr>
+          <p:nvPr>
+            <p:ph idx="13"/>
+          </p:nvPr>
+        </p:nvSpPr>
+        <p:spPr/>
+        <p:txBody>
+          <a:bodyPr/>
+          <a:lstStyle/>
+          <a:p>
+            <a:endParaRPr lang="de-DE"/>
+          </a:p>
+        </p:txBody>
+      </p:sp>
+      <p:sp>
+        <p:nvSpPr>
+          <p:cNvPr id="6" name="Datumsplatzhalter 5"/>
           <p:cNvSpPr>
             <a:spLocks noGrp="1"/>
           </p:cNvSpPr>
@@ -10407,12 +10269,12 @@
             <a:pPr>
               <a:defRPr/>
             </a:pPr>
-            <a:fld id="{8E1F6592-D1CE-49C6-B071-C971A6A1B1F7}" type="datetime1">
+            <a:fld id="{564DD3CC-CFDA-444A-BF53-D22D117ED496}" type="datetime1">
               <a:rPr lang="de-DE" smtClean="0"/>
               <a:pPr>
                 <a:defRPr/>
               </a:pPr>
-              <a:t>30.08.2019</a:t>
+              <a:t>05.09.2019</a:t>
             </a:fld>
             <a:endParaRPr lang="de-DE" dirty="0"/>
           </a:p>
@@ -10420,7 +10282,7 @@
       </p:sp>
       <p:sp>
         <p:nvSpPr>
-          <p:cNvPr id="6" name="Fußzeilenplatzhalter 5"/>
+          <p:cNvPr id="7" name="Fußzeilenplatzhalter 6"/>
           <p:cNvSpPr>
             <a:spLocks noGrp="1"/>
           </p:cNvSpPr>
@@ -10437,16 +10299,16 @@
               <a:defRPr/>
             </a:pPr>
             <a:r>
-              <a:rPr lang="de-DE" smtClean="0"/>
+              <a:rPr lang="de-DE" dirty="0" smtClean="0"/>
               <a:t>LÖWENSTEIN medical</a:t>
             </a:r>
-            <a:endParaRPr lang="de-DE"/>
+            <a:endParaRPr lang="de-DE" dirty="0"/>
           </a:p>
         </p:txBody>
       </p:sp>
       <p:sp>
         <p:nvSpPr>
-          <p:cNvPr id="7" name="Foliennummernplatzhalter 6"/>
+          <p:cNvPr id="8" name="Foliennummernplatzhalter 7"/>
           <p:cNvSpPr>
             <a:spLocks noGrp="1"/>
           </p:cNvSpPr>
@@ -10459,38 +10321,19 @@
           <a:bodyPr/>
           <a:lstStyle/>
           <a:p>
-            <a:fld id="{3CCB3F04-3DFC-4D36-A412-51381F049662}" type="slidenum">
+            <a:fld id="{D1E959D9-0259-4DD1-B389-5151D5648EDC}" type="slidenum">
               <a:rPr lang="de-DE" altLang="de-DE" smtClean="0"/>
               <a:pPr/>
               <a:t>5</a:t>
             </a:fld>
-            <a:endParaRPr lang="de-DE" altLang="de-DE"/>
-          </a:p>
-        </p:txBody>
-      </p:sp>
-      <p:sp>
-        <p:nvSpPr>
-          <p:cNvPr id="2" name="Content Placeholder 1"/>
-          <p:cNvSpPr>
-            <a:spLocks noGrp="1"/>
-          </p:cNvSpPr>
-          <p:nvPr>
-            <p:ph idx="13"/>
-          </p:nvPr>
-        </p:nvSpPr>
-        <p:spPr/>
-        <p:txBody>
-          <a:bodyPr/>
-          <a:lstStyle/>
-          <a:p>
-            <a:endParaRPr lang="en-GB" dirty="0"/>
+            <a:endParaRPr lang="de-DE" altLang="de-DE" dirty="0"/>
           </a:p>
         </p:txBody>
       </p:sp>
     </p:spTree>
     <p:extLst>
       <p:ext uri="{BB962C8B-B14F-4D97-AF65-F5344CB8AC3E}">
-        <p14:creationId xmlns:p14="http://schemas.microsoft.com/office/powerpoint/2010/main" val="960557484"/>
+        <p14:creationId xmlns:p14="http://schemas.microsoft.com/office/powerpoint/2010/main" val="3566374629"/>
       </p:ext>
     </p:extLst>
   </p:cSld>
@@ -10541,7 +10384,7 @@
           <a:p>
             <a:r>
               <a:rPr lang="de-DE" dirty="0" smtClean="0"/>
-              <a:t>Http vs Message</a:t>
+              <a:t>MassTransit</a:t>
             </a:r>
             <a:endParaRPr lang="de-DE" dirty="0"/>
           </a:p>
@@ -10564,79 +10407,51 @@
           </a:xfrm>
         </p:spPr>
         <p:txBody>
-          <a:bodyPr>
-            <a:normAutofit lnSpcReduction="10000"/>
-          </a:bodyPr>
+          <a:bodyPr/>
           <a:lstStyle/>
           <a:p>
             <a:r>
               <a:rPr lang="de-DE" dirty="0" smtClean="0"/>
-              <a:t>Http:</a:t>
-            </a:r>
-          </a:p>
-          <a:p>
-            <a:pPr lvl="1"/>
+              <a:t>Communicates via RabbitMQ</a:t>
+            </a:r>
+          </a:p>
+          <a:p>
             <a:r>
               <a:rPr lang="de-DE" dirty="0" smtClean="0"/>
-              <a:t>Blocking call</a:t>
-            </a:r>
-          </a:p>
-          <a:p>
-            <a:pPr lvl="1"/>
+              <a:t>Connection Management</a:t>
+            </a:r>
+          </a:p>
+          <a:p>
             <a:r>
               <a:rPr lang="de-DE" dirty="0" smtClean="0"/>
-              <a:t>Target service needs to be running</a:t>
-            </a:r>
-          </a:p>
-          <a:p>
-            <a:pPr lvl="1"/>
+              <a:t>Retries, Exception handling</a:t>
+            </a:r>
+          </a:p>
+          <a:p>
             <a:r>
               <a:rPr lang="de-DE" dirty="0" smtClean="0"/>
-              <a:t>Coupling of services</a:t>
+              <a:t>Serialization (JSON, BSON, XML, binary)</a:t>
             </a:r>
           </a:p>
           <a:p>
             <a:r>
               <a:rPr lang="de-DE" dirty="0" smtClean="0"/>
-              <a:t>Message:</a:t>
-            </a:r>
-          </a:p>
-          <a:p>
-            <a:pPr lvl="1"/>
+              <a:t>Extensible (Middlewares receive-sent)</a:t>
+            </a:r>
+          </a:p>
+          <a:p>
             <a:r>
               <a:rPr lang="de-DE" dirty="0" smtClean="0"/>
-              <a:t>Non blocking operation</a:t>
-            </a:r>
-          </a:p>
-          <a:p>
-            <a:pPr lvl="1"/>
-            <a:r>
-              <a:rPr lang="de-DE" dirty="0" smtClean="0"/>
-              <a:t>Guaranteed order (First in first out)</a:t>
-            </a:r>
-          </a:p>
-          <a:p>
-            <a:pPr lvl="1"/>
-            <a:r>
-              <a:rPr lang="de-DE" dirty="0" smtClean="0"/>
-              <a:t>Broadcasting (One publisher multiple subscribers)</a:t>
-            </a:r>
-          </a:p>
-          <a:p>
-            <a:pPr lvl="1"/>
-            <a:r>
-              <a:rPr lang="de-DE" dirty="0" smtClean="0"/>
-              <a:t>Retry</a:t>
-            </a:r>
-          </a:p>
-          <a:p>
-            <a:pPr lvl="1"/>
-            <a:r>
-              <a:rPr lang="de-DE" dirty="0" smtClean="0"/>
-              <a:t>Will be delivered also if service is not running yet</a:t>
-            </a:r>
-          </a:p>
-          <a:p>
+              <a:t>Good documentation</a:t>
+            </a:r>
+          </a:p>
+          <a:p>
+            <a:r>
+              <a:rPr lang="en-GB" dirty="0">
+                <a:hlinkClick r:id="rId2"/>
+              </a:rPr>
+              <a:t>https://masstransit-project.com/MassTransit/</a:t>
+            </a:r>
             <a:endParaRPr lang="de-DE" dirty="0"/>
           </a:p>
         </p:txBody>
@@ -10683,7 +10498,7 @@
               <a:pPr>
                 <a:defRPr/>
               </a:pPr>
-              <a:t>30.08.2019</a:t>
+              <a:t>05.09.2019</a:t>
             </a:fld>
             <a:endParaRPr lang="de-DE" dirty="0"/>
           </a:p>
@@ -10742,7 +10557,7 @@
     </p:spTree>
     <p:extLst>
       <p:ext uri="{BB962C8B-B14F-4D97-AF65-F5344CB8AC3E}">
-        <p14:creationId xmlns:p14="http://schemas.microsoft.com/office/powerpoint/2010/main" val="3566374629"/>
+        <p14:creationId xmlns:p14="http://schemas.microsoft.com/office/powerpoint/2010/main" val="2029618126"/>
       </p:ext>
     </p:extLst>
   </p:cSld>
@@ -10819,47 +10634,12 @@
           <a:bodyPr/>
           <a:lstStyle/>
           <a:p>
+            <a:pPr marL="0" indent="0" algn="ctr">
+              <a:buNone/>
+            </a:pPr>
             <a:r>
               <a:rPr lang="de-DE" dirty="0" smtClean="0"/>
-              <a:t>Communicates via RabbitMQ</a:t>
-            </a:r>
-          </a:p>
-          <a:p>
-            <a:r>
-              <a:rPr lang="de-DE" dirty="0" smtClean="0"/>
-              <a:t>Connection Management</a:t>
-            </a:r>
-          </a:p>
-          <a:p>
-            <a:r>
-              <a:rPr lang="de-DE" dirty="0" smtClean="0"/>
-              <a:t>Retries, Exception handling</a:t>
-            </a:r>
-          </a:p>
-          <a:p>
-            <a:r>
-              <a:rPr lang="de-DE" dirty="0" smtClean="0"/>
-              <a:t>Serialization (JSON, BSON, XML, binary)</a:t>
-            </a:r>
-          </a:p>
-          <a:p>
-            <a:r>
-              <a:rPr lang="de-DE" dirty="0" smtClean="0"/>
-              <a:t>Extensible (Middlewares receive-sent)</a:t>
-            </a:r>
-          </a:p>
-          <a:p>
-            <a:r>
-              <a:rPr lang="de-DE" dirty="0" smtClean="0"/>
-              <a:t>Good documentation</a:t>
-            </a:r>
-          </a:p>
-          <a:p>
-            <a:r>
-              <a:rPr lang="en-GB" dirty="0">
-                <a:hlinkClick r:id="rId2"/>
-              </a:rPr>
-              <a:t>https://masstransit-project.com/MassTransit/</a:t>
+              <a:t>DEMO</a:t>
             </a:r>
             <a:endParaRPr lang="de-DE" dirty="0"/>
           </a:p>
@@ -10907,7 +10687,7 @@
               <a:pPr>
                 <a:defRPr/>
               </a:pPr>
-              <a:t>30.08.2019</a:t>
+              <a:t>05.09.2019</a:t>
             </a:fld>
             <a:endParaRPr lang="de-DE" dirty="0"/>
           </a:p>
@@ -10966,7 +10746,7 @@
     </p:spTree>
     <p:extLst>
       <p:ext uri="{BB962C8B-B14F-4D97-AF65-F5344CB8AC3E}">
-        <p14:creationId xmlns:p14="http://schemas.microsoft.com/office/powerpoint/2010/main" val="2029618126"/>
+        <p14:creationId xmlns:p14="http://schemas.microsoft.com/office/powerpoint/2010/main" val="986278249"/>
       </p:ext>
     </p:extLst>
   </p:cSld>
@@ -11017,7 +10797,7 @@
           <a:p>
             <a:r>
               <a:rPr lang="de-DE" dirty="0" smtClean="0"/>
-              <a:t>MassTransit</a:t>
+              <a:t>Advanced Topics</a:t>
             </a:r>
             <a:endParaRPr lang="de-DE" dirty="0"/>
           </a:p>
@@ -11043,13 +10823,51 @@
           <a:bodyPr/>
           <a:lstStyle/>
           <a:p>
-            <a:pPr marL="0" indent="0" algn="ctr">
-              <a:buNone/>
-            </a:pPr>
             <a:r>
               <a:rPr lang="de-DE" dirty="0" smtClean="0"/>
-              <a:t>DEMO</a:t>
-            </a:r>
+              <a:t>Tracebility</a:t>
+            </a:r>
+          </a:p>
+          <a:p>
+            <a:r>
+              <a:rPr lang="de-DE" dirty="0" smtClean="0"/>
+              <a:t>Version of messages</a:t>
+            </a:r>
+          </a:p>
+          <a:p>
+            <a:r>
+              <a:rPr lang="de-DE" smtClean="0"/>
+              <a:t>Tests about all consumer registered</a:t>
+            </a:r>
+            <a:endParaRPr lang="de-DE" dirty="0" smtClean="0"/>
+          </a:p>
+          <a:p>
+            <a:r>
+              <a:rPr lang="de-DE" dirty="0" smtClean="0"/>
+              <a:t>Queue initialization</a:t>
+            </a:r>
+          </a:p>
+          <a:p>
+            <a:r>
+              <a:rPr lang="de-DE" dirty="0" smtClean="0"/>
+              <a:t>Parallel consuming</a:t>
+            </a:r>
+          </a:p>
+          <a:p>
+            <a:r>
+              <a:rPr lang="de-DE" dirty="0" smtClean="0"/>
+              <a:t>Requeuing </a:t>
+            </a:r>
+            <a:r>
+              <a:rPr lang="de-DE" dirty="0"/>
+              <a:t>of errors (RabbitMq PlugIn: </a:t>
+            </a:r>
+            <a:r>
+              <a:rPr lang="de-DE" dirty="0" smtClean="0"/>
+              <a:t>rabbitmq_shovel)</a:t>
+            </a:r>
+          </a:p>
+          <a:p>
             <a:endParaRPr lang="de-DE" dirty="0"/>
           </a:p>
         </p:txBody>
@@ -11069,7 +10887,10 @@
           <a:bodyPr/>
           <a:lstStyle/>
           <a:p>
-            <a:endParaRPr lang="de-DE"/>
+            <a:r>
+              <a:rPr lang="de-DE" dirty="0"/>
+              <a:t>MassTransit</a:t>
+            </a:r>
           </a:p>
         </p:txBody>
       </p:sp>
@@ -11096,7 +10917,7 @@
               <a:pPr>
                 <a:defRPr/>
               </a:pPr>
-              <a:t>30.08.2019</a:t>
+              <a:t>05.09.2019</a:t>
             </a:fld>
             <a:endParaRPr lang="de-DE" dirty="0"/>
           </a:p>
@@ -11155,7 +10976,7 @@
     </p:spTree>
     <p:extLst>
       <p:ext uri="{BB962C8B-B14F-4D97-AF65-F5344CB8AC3E}">
-        <p14:creationId xmlns:p14="http://schemas.microsoft.com/office/powerpoint/2010/main" val="986278249"/>
+        <p14:creationId xmlns:p14="http://schemas.microsoft.com/office/powerpoint/2010/main" val="4003738899"/>
       </p:ext>
     </p:extLst>
   </p:cSld>
@@ -11191,29 +11012,6 @@
       </p:grpSpPr>
       <p:sp>
         <p:nvSpPr>
-          <p:cNvPr id="9" name="Titel 8"/>
-          <p:cNvSpPr>
-            <a:spLocks noGrp="1"/>
-          </p:cNvSpPr>
-          <p:nvPr>
-            <p:ph type="title"/>
-          </p:nvPr>
-        </p:nvSpPr>
-        <p:spPr/>
-        <p:txBody>
-          <a:bodyPr/>
-          <a:lstStyle/>
-          <a:p>
-            <a:r>
-              <a:rPr lang="de-DE" dirty="0" smtClean="0"/>
-              <a:t>Advanced Topics</a:t>
-            </a:r>
-            <a:endParaRPr lang="de-DE" dirty="0"/>
-          </a:p>
-        </p:txBody>
-      </p:sp>
-      <p:sp>
-        <p:nvSpPr>
           <p:cNvPr id="11" name="Inhaltsplatzhalter 10"/>
           <p:cNvSpPr>
             <a:spLocks noGrp="1"/>
@@ -11224,59 +11022,38 @@
         </p:nvSpPr>
         <p:spPr>
           <a:xfrm>
-            <a:off x="895775" y="3957173"/>
-            <a:ext cx="11379732" cy="4697967"/>
+            <a:off x="895775" y="2279737"/>
+            <a:ext cx="11379732" cy="6375403"/>
           </a:xfrm>
         </p:spPr>
         <p:txBody>
-          <a:bodyPr/>
+          <a:bodyPr>
+            <a:normAutofit/>
+          </a:bodyPr>
           <a:lstStyle/>
           <a:p>
             <a:r>
               <a:rPr lang="de-DE" dirty="0" smtClean="0"/>
-              <a:t>Tracebility</a:t>
+              <a:t>Any Questions</a:t>
             </a:r>
           </a:p>
           <a:p>
             <a:r>
               <a:rPr lang="de-DE" dirty="0" smtClean="0"/>
-              <a:t>Version of messages</a:t>
-            </a:r>
-          </a:p>
-          <a:p>
-            <a:r>
-              <a:rPr lang="de-DE" smtClean="0"/>
-              <a:t>Tests about all consumer registered</a:t>
-            </a:r>
-            <a:endParaRPr lang="de-DE" dirty="0" smtClean="0"/>
-          </a:p>
-          <a:p>
-            <a:r>
-              <a:rPr lang="de-DE" dirty="0" smtClean="0"/>
-              <a:t>Queue initialization</a:t>
-            </a:r>
-          </a:p>
-          <a:p>
-            <a:r>
-              <a:rPr lang="de-DE" dirty="0" smtClean="0"/>
-              <a:t>Parallel consuming</a:t>
-            </a:r>
-          </a:p>
-          <a:p>
-            <a:r>
-              <a:rPr lang="de-DE" dirty="0" smtClean="0"/>
-              <a:t>Requeuing </a:t>
-            </a:r>
-            <a:r>
-              <a:rPr lang="de-DE" dirty="0"/>
-              <a:t>of errors (RabbitMq PlugIn: </a:t>
-            </a:r>
-            <a:r>
-              <a:rPr lang="de-DE" dirty="0" smtClean="0"/>
-              <a:t>rabbitmq_shovel)</a:t>
-            </a:r>
-          </a:p>
-          <a:p>
+              <a:t>Examples under: </a:t>
+            </a:r>
+            <a:r>
+              <a:rPr lang="en-GB" dirty="0" smtClean="0">
+                <a:hlinkClick r:id="rId2"/>
+              </a:rPr>
+              <a:t>https</a:t>
+            </a:r>
+            <a:r>
+              <a:rPr lang="en-GB" dirty="0">
+                <a:hlinkClick r:id="rId2"/>
+              </a:rPr>
+              <a:t>://github.com/BenBorn/Gorod</a:t>
+            </a:r>
             <a:endParaRPr lang="de-DE" dirty="0"/>
           </a:p>
         </p:txBody>
@@ -11298,7 +11075,7 @@
           <a:p>
             <a:r>
               <a:rPr lang="de-DE" dirty="0"/>
-              <a:t>MassTransit</a:t>
+              <a:t>Thanks</a:t>
             </a:r>
           </a:p>
         </p:txBody>
@@ -11326,7 +11103,7 @@
               <a:pPr>
                 <a:defRPr/>
               </a:pPr>
-              <a:t>30.08.2019</a:t>
+              <a:t>05.09.2019</a:t>
             </a:fld>
             <a:endParaRPr lang="de-DE" dirty="0"/>
           </a:p>
@@ -11382,10 +11159,40 @@
           </a:p>
         </p:txBody>
       </p:sp>
+      <p:pic>
+        <p:nvPicPr>
+          <p:cNvPr id="2" name="Picture 1"/>
+          <p:cNvPicPr>
+            <a:picLocks noChangeAspect="1"/>
+          </p:cNvPicPr>
+          <p:nvPr/>
+        </p:nvPicPr>
+        <p:blipFill>
+          <a:blip r:embed="rId3">
+            <a:extLst>
+              <a:ext uri="{28A0092B-C50C-407E-A947-70E740481C1C}">
+                <a14:useLocalDpi xmlns:a14="http://schemas.microsoft.com/office/drawing/2010/main" val="0"/>
+              </a:ext>
+            </a:extLst>
+          </a:blip>
+          <a:stretch>
+            <a:fillRect/>
+          </a:stretch>
+        </p:blipFill>
+        <p:spPr>
+          <a:xfrm>
+            <a:off x="1687513" y="3673519"/>
+            <a:ext cx="4730500" cy="4730500"/>
+          </a:xfrm>
+          <a:prstGeom prst="rect">
+            <a:avLst/>
+          </a:prstGeom>
+        </p:spPr>
+      </p:pic>
     </p:spTree>
     <p:extLst>
       <p:ext uri="{BB962C8B-B14F-4D97-AF65-F5344CB8AC3E}">
-        <p14:creationId xmlns:p14="http://schemas.microsoft.com/office/powerpoint/2010/main" val="4003738899"/>
+        <p14:creationId xmlns:p14="http://schemas.microsoft.com/office/powerpoint/2010/main" val="1022011866"/>
       </p:ext>
     </p:extLst>
   </p:cSld>
